--- a/apresentação/Melody_Generator.pptx
+++ b/apresentação/Melody_Generator.pptx
@@ -38,28 +38,29 @@
     <p:sldId id="283" r:id="rId33"/>
     <p:sldId id="284" r:id="rId34"/>
     <p:sldId id="285" r:id="rId35"/>
+    <p:sldId id="286" r:id="rId36"/>
   </p:sldIdLst>
   <p:sldSz cy="5143500" cx="9144000"/>
   <p:notesSz cx="6858000" cy="9144000"/>
   <p:embeddedFontLst>
     <p:embeddedFont>
       <p:font typeface="Roboto"/>
-      <p:regular r:id="rId36"/>
-      <p:bold r:id="rId37"/>
-      <p:italic r:id="rId38"/>
-      <p:boldItalic r:id="rId39"/>
+      <p:regular r:id="rId37"/>
+      <p:bold r:id="rId38"/>
+      <p:italic r:id="rId39"/>
+      <p:boldItalic r:id="rId40"/>
     </p:embeddedFont>
     <p:embeddedFont>
       <p:font typeface="Amatic SC"/>
-      <p:regular r:id="rId40"/>
-      <p:bold r:id="rId41"/>
+      <p:regular r:id="rId41"/>
+      <p:bold r:id="rId42"/>
     </p:embeddedFont>
     <p:embeddedFont>
       <p:font typeface="Source Code Pro"/>
-      <p:regular r:id="rId42"/>
-      <p:bold r:id="rId43"/>
-      <p:italic r:id="rId44"/>
-      <p:boldItalic r:id="rId45"/>
+      <p:regular r:id="rId43"/>
+      <p:bold r:id="rId44"/>
+      <p:italic r:id="rId45"/>
+      <p:boldItalic r:id="rId46"/>
     </p:embeddedFont>
   </p:embeddedFontLst>
   <p:defaultTextStyle>
@@ -2834,7 +2835,7 @@
       </p:grpSpPr>
       <p:sp>
         <p:nvSpPr>
-          <p:cNvPr id="239" name="Google Shape;239;g128d8503f27_0_15:notes"/>
+          <p:cNvPr id="239" name="Google Shape;239;g1287cbbcc39_0_4:notes"/>
           <p:cNvSpPr/>
           <p:nvPr>
             <p:ph idx="2" type="sldImg"/>
@@ -2869,7 +2870,7 @@
       </p:sp>
       <p:sp>
         <p:nvSpPr>
-          <p:cNvPr id="240" name="Google Shape;240;g128d8503f27_0_15:notes"/>
+          <p:cNvPr id="240" name="Google Shape;240;g1287cbbcc39_0_4:notes"/>
           <p:cNvSpPr txBox="1"/>
           <p:nvPr>
             <p:ph idx="1" type="body"/>
@@ -3032,7 +3033,7 @@
       </p:grpSpPr>
       <p:sp>
         <p:nvSpPr>
-          <p:cNvPr id="245" name="Google Shape;245;g128d66d592e_0_165:notes"/>
+          <p:cNvPr id="245" name="Google Shape;245;g128d8503f27_0_15:notes"/>
           <p:cNvSpPr/>
           <p:nvPr>
             <p:ph idx="2" type="sldImg"/>
@@ -3067,7 +3068,106 @@
       </p:sp>
       <p:sp>
         <p:nvSpPr>
-          <p:cNvPr id="246" name="Google Shape;246;g128d66d592e_0_165:notes"/>
+          <p:cNvPr id="246" name="Google Shape;246;g128d8503f27_0_15:notes"/>
+          <p:cNvSpPr txBox="1"/>
+          <p:nvPr>
+            <p:ph idx="1" type="body"/>
+          </p:nvPr>
+        </p:nvSpPr>
+        <p:spPr>
+          <a:xfrm>
+            <a:off x="685800" y="4343400"/>
+            <a:ext cx="5486400" cy="4114800"/>
+          </a:xfrm>
+          <a:prstGeom prst="rect">
+            <a:avLst/>
+          </a:prstGeom>
+        </p:spPr>
+        <p:txBody>
+          <a:bodyPr anchorCtr="0" anchor="t" bIns="91425" lIns="91425" spcFirstLastPara="1" rIns="91425" wrap="square" tIns="91425">
+            <a:noAutofit/>
+          </a:bodyPr>
+          <a:lstStyle/>
+          <a:p>
+            <a:pPr indent="0" lvl="0" marL="0" rtl="0" algn="l">
+              <a:spcBef>
+                <a:spcPts val="0"/>
+              </a:spcBef>
+              <a:spcAft>
+                <a:spcPts val="0"/>
+              </a:spcAft>
+              <a:buNone/>
+            </a:pPr>
+            <a:r>
+              <a:t/>
+            </a:r>
+            <a:endParaRPr/>
+          </a:p>
+        </p:txBody>
+      </p:sp>
+    </p:spTree>
+  </p:cSld>
+  <p:clrMapOvr>
+    <a:masterClrMapping/>
+  </p:clrMapOvr>
+</p:notes>
+</file>
+
+<file path=ppt/notesSlides/notesSlide31.xml><?xml version="1.0" encoding="utf-8"?>
+<p:notes xmlns:a="http://schemas.openxmlformats.org/drawingml/2006/main" xmlns:r="http://schemas.openxmlformats.org/officeDocument/2006/relationships" xmlns:mc="http://schemas.openxmlformats.org/markup-compatibility/2006" xmlns:mv="urn:schemas-microsoft-com:mac:vml" xmlns:p="http://schemas.openxmlformats.org/presentationml/2006/main" xmlns:c="http://schemas.openxmlformats.org/drawingml/2006/chart" xmlns:dgm="http://schemas.openxmlformats.org/drawingml/2006/diagram" xmlns:o="urn:schemas-microsoft-com:office:office" xmlns:v="urn:schemas-microsoft-com:vml" xmlns:pvml="urn:schemas-microsoft-com:office:powerpoint" xmlns:com="http://schemas.openxmlformats.org/drawingml/2006/compatibility" xmlns:p14="http://schemas.microsoft.com/office/powerpoint/2010/main" xmlns:p15="http://schemas.microsoft.com/office/powerpoint/2012/main" xmlns:ahyp="http://schemas.microsoft.com/office/drawing/2018/hyperlinkcolor" showMasterPhAnim="0" showMasterSp="0">
+  <p:cSld>
+    <p:spTree>
+      <p:nvGrpSpPr>
+        <p:cNvPr id="250" name="Shape 250"/>
+        <p:cNvGrpSpPr/>
+        <p:nvPr/>
+      </p:nvGrpSpPr>
+      <p:grpSpPr>
+        <a:xfrm>
+          <a:off x="0" y="0"/>
+          <a:ext cx="0" cy="0"/>
+          <a:chOff x="0" y="0"/>
+          <a:chExt cx="0" cy="0"/>
+        </a:xfrm>
+      </p:grpSpPr>
+      <p:sp>
+        <p:nvSpPr>
+          <p:cNvPr id="251" name="Google Shape;251;g128d66d592e_0_165:notes"/>
+          <p:cNvSpPr/>
+          <p:nvPr>
+            <p:ph idx="2" type="sldImg"/>
+          </p:nvPr>
+        </p:nvSpPr>
+        <p:spPr>
+          <a:xfrm>
+            <a:off x="381300" y="685800"/>
+            <a:ext cx="6096000" cy="3429000"/>
+          </a:xfrm>
+          <a:custGeom>
+            <a:rect b="b" l="l" r="r" t="t"/>
+            <a:pathLst>
+              <a:path extrusionOk="0" h="120000" w="120000">
+                <a:moveTo>
+                  <a:pt x="0" y="0"/>
+                </a:moveTo>
+                <a:lnTo>
+                  <a:pt x="120000" y="0"/>
+                </a:lnTo>
+                <a:lnTo>
+                  <a:pt x="120000" y="120000"/>
+                </a:lnTo>
+                <a:lnTo>
+                  <a:pt x="0" y="120000"/>
+                </a:lnTo>
+                <a:close/>
+              </a:path>
+            </a:pathLst>
+          </a:custGeom>
+        </p:spPr>
+      </p:sp>
+      <p:sp>
+        <p:nvSpPr>
+          <p:cNvPr id="252" name="Google Shape;252;g128d66d592e_0_165:notes"/>
           <p:cNvSpPr txBox="1"/>
           <p:nvPr>
             <p:ph idx="1" type="body"/>
@@ -11088,7 +11188,7 @@
             </a:pPr>
             <a:r>
               <a:rPr lang="pt-BR"/>
-              <a:t>Valores das notas</a:t>
+              <a:t>Duração das notas</a:t>
             </a:r>
             <a:r>
               <a:rPr lang="pt-BR"/>
@@ -11214,7 +11314,7 @@
         </p:blipFill>
         <p:spPr>
           <a:xfrm>
-            <a:off x="740663" y="1188475"/>
+            <a:off x="740663" y="1264675"/>
             <a:ext cx="7788976" cy="3418550"/>
           </a:xfrm>
           <a:prstGeom prst="rect">
@@ -13913,7 +14013,7 @@
             </a:pPr>
             <a:r>
               <a:rPr lang="pt-BR"/>
-              <a:t>Função Generate Sequences</a:t>
+              <a:t>Geração de Sequencias</a:t>
             </a:r>
             <a:endParaRPr/>
           </a:p>
@@ -14368,7 +14468,7 @@
             </a:pPr>
             <a:r>
               <a:rPr lang="pt-BR"/>
-              <a:t>Sumário</a:t>
+              <a:t>Rede Neural</a:t>
             </a:r>
             <a:endParaRPr/>
           </a:p>
@@ -15031,7 +15131,7 @@
                 <a:cs typeface="Source Code Pro"/>
                 <a:sym typeface="Source Code Pro"/>
               </a:rPr>
-              <a:t>Temperatura muito baixo (zero): </a:t>
+              <a:t>Temperatura 1: </a:t>
             </a:r>
             <a:r>
               <a:rPr lang="pt-BR" sz="1308">
@@ -15130,7 +15230,7 @@
             </a:pPr>
             <a:r>
               <a:rPr lang="pt-BR"/>
-              <a:t>Exemplos de Resultado</a:t>
+              <a:t>Fluxo Final</a:t>
             </a:r>
             <a:endParaRPr/>
           </a:p>
@@ -15140,95 +15240,188 @@
         <p:nvSpPr>
           <p:cNvPr id="243" name="Google Shape;243;p41"/>
           <p:cNvSpPr txBox="1"/>
-          <p:nvPr/>
+          <p:nvPr>
+            <p:ph idx="1" type="body"/>
+          </p:nvPr>
         </p:nvSpPr>
         <p:spPr>
           <a:xfrm>
-            <a:off x="319600" y="1028700"/>
-            <a:ext cx="8339400" cy="4279800"/>
+            <a:off x="311700" y="1228675"/>
+            <a:ext cx="8520600" cy="3685500"/>
           </a:xfrm>
           <a:prstGeom prst="rect">
             <a:avLst/>
           </a:prstGeom>
-          <a:noFill/>
-          <a:ln>
-            <a:noFill/>
-          </a:ln>
         </p:spPr>
         <p:txBody>
           <a:bodyPr anchorCtr="0" anchor="t" bIns="91425" lIns="91425" spcFirstLastPara="1" rIns="91425" wrap="square" tIns="91425">
-            <a:spAutoFit/>
+            <a:normAutofit lnSpcReduction="10000"/>
           </a:bodyPr>
           <a:lstStyle/>
           <a:p>
-            <a:pPr indent="-318015" lvl="0" marL="457200" rtl="0" algn="l">
-              <a:lnSpc>
-                <a:spcPct val="115000"/>
-              </a:lnSpc>
-              <a:spcBef>
-                <a:spcPts val="0"/>
-              </a:spcBef>
-              <a:spcAft>
-                <a:spcPts val="0"/>
-              </a:spcAft>
-              <a:buSzPts val="1408"/>
-              <a:buFont typeface="Source Code Pro"/>
+            <a:pPr indent="-374650" lvl="0" marL="457200" rtl="0" algn="l">
+              <a:spcBef>
+                <a:spcPts val="0"/>
+              </a:spcBef>
+              <a:spcAft>
+                <a:spcPts val="0"/>
+              </a:spcAft>
+              <a:buClr>
+                <a:srgbClr val="000000"/>
+              </a:buClr>
+              <a:buSzPts val="2300"/>
               <a:buChar char="●"/>
             </a:pPr>
             <a:r>
-              <a:rPr b="1" lang="pt-BR" sz="1408">
-                <a:latin typeface="Source Code Pro"/>
-                <a:ea typeface="Source Code Pro"/>
-                <a:cs typeface="Source Code Pro"/>
-                <a:sym typeface="Source Code Pro"/>
-              </a:rPr>
-              <a:t>Entrada: </a:t>
-            </a:r>
-            <a:r>
-              <a:rPr lang="pt-BR" sz="1050">
-                <a:highlight>
-                  <a:srgbClr val="FFFFFE"/>
-                </a:highlight>
-                <a:latin typeface="Courier New"/>
-                <a:ea typeface="Courier New"/>
-                <a:cs typeface="Courier New"/>
-                <a:sym typeface="Courier New"/>
-              </a:rPr>
-              <a:t> </a:t>
-            </a:r>
-            <a:r>
-              <a:rPr lang="pt-BR" sz="1750">
-                <a:solidFill>
-                  <a:srgbClr val="A31515"/>
-                </a:solidFill>
-                <a:highlight>
-                  <a:srgbClr val="FFFFFE"/>
-                </a:highlight>
-                <a:latin typeface="Courier New"/>
-                <a:ea typeface="Courier New"/>
-                <a:cs typeface="Courier New"/>
-                <a:sym typeface="Courier New"/>
-              </a:rPr>
-              <a:t>"55 _ 52 _ 55 _ 60 _ 52 _ 55"</a:t>
-            </a:r>
-            <a:endParaRPr sz="1750">
+              <a:rPr b="1" lang="pt-BR" sz="2300">
+                <a:solidFill>
+                  <a:srgbClr val="000000"/>
+                </a:solidFill>
+              </a:rPr>
+              <a:t>Usuário</a:t>
+            </a:r>
+            <a:r>
+              <a:rPr b="1" lang="pt-BR" sz="2300">
+                <a:solidFill>
+                  <a:srgbClr val="000000"/>
+                </a:solidFill>
+              </a:rPr>
+              <a:t> entra com um arquivo .krn (Score)</a:t>
+            </a:r>
+            <a:endParaRPr b="1" sz="2300">
               <a:solidFill>
-                <a:srgbClr val="A31515"/>
+                <a:srgbClr val="000000"/>
               </a:solidFill>
-              <a:highlight>
-                <a:srgbClr val="FFFFFE"/>
-              </a:highlight>
-              <a:latin typeface="Courier New"/>
-              <a:ea typeface="Courier New"/>
-              <a:cs typeface="Courier New"/>
-              <a:sym typeface="Courier New"/>
             </a:endParaRPr>
           </a:p>
           <a:p>
+            <a:pPr indent="0" lvl="0" marL="457200" rtl="0" algn="l">
+              <a:spcBef>
+                <a:spcPts val="1200"/>
+              </a:spcBef>
+              <a:spcAft>
+                <a:spcPts val="0"/>
+              </a:spcAft>
+              <a:buNone/>
+            </a:pPr>
+            <a:r>
+              <a:t/>
+            </a:r>
+            <a:endParaRPr b="1" sz="2300">
+              <a:solidFill>
+                <a:srgbClr val="000000"/>
+              </a:solidFill>
+            </a:endParaRPr>
+          </a:p>
+          <a:p>
+            <a:pPr indent="-374650" lvl="0" marL="457200" rtl="0" algn="l">
+              <a:spcBef>
+                <a:spcPts val="1200"/>
+              </a:spcBef>
+              <a:spcAft>
+                <a:spcPts val="0"/>
+              </a:spcAft>
+              <a:buClr>
+                <a:srgbClr val="000000"/>
+              </a:buClr>
+              <a:buSzPts val="2300"/>
+              <a:buChar char="●"/>
+            </a:pPr>
+            <a:r>
+              <a:rPr b="1" lang="pt-BR" sz="2300">
+                <a:solidFill>
+                  <a:srgbClr val="000000"/>
+                </a:solidFill>
+              </a:rPr>
+              <a:t>Acontece o </a:t>
+            </a:r>
+            <a:r>
+              <a:rPr b="1" lang="pt-BR" sz="2300">
+                <a:solidFill>
+                  <a:srgbClr val="000000"/>
+                </a:solidFill>
+              </a:rPr>
+              <a:t>pré processamento</a:t>
+            </a:r>
+            <a:r>
+              <a:rPr b="1" lang="pt-BR" sz="2300">
+                <a:solidFill>
+                  <a:srgbClr val="000000"/>
+                </a:solidFill>
+              </a:rPr>
+              <a:t> do score</a:t>
+            </a:r>
+            <a:endParaRPr b="1" sz="2300">
+              <a:solidFill>
+                <a:srgbClr val="000000"/>
+              </a:solidFill>
+            </a:endParaRPr>
+          </a:p>
+          <a:p>
+            <a:pPr indent="0" lvl="0" marL="457200" rtl="0" algn="l">
+              <a:spcBef>
+                <a:spcPts val="1200"/>
+              </a:spcBef>
+              <a:spcAft>
+                <a:spcPts val="0"/>
+              </a:spcAft>
+              <a:buNone/>
+            </a:pPr>
+            <a:r>
+              <a:t/>
+            </a:r>
+            <a:endParaRPr b="1" sz="2300">
+              <a:solidFill>
+                <a:srgbClr val="000000"/>
+              </a:solidFill>
+            </a:endParaRPr>
+          </a:p>
+          <a:p>
+            <a:pPr indent="-374650" lvl="0" marL="457200" rtl="0" algn="l">
+              <a:spcBef>
+                <a:spcPts val="1200"/>
+              </a:spcBef>
+              <a:spcAft>
+                <a:spcPts val="0"/>
+              </a:spcAft>
+              <a:buClr>
+                <a:srgbClr val="000000"/>
+              </a:buClr>
+              <a:buSzPts val="2300"/>
+              <a:buChar char="●"/>
+            </a:pPr>
+            <a:r>
+              <a:rPr b="1" lang="pt-BR" sz="2300">
+                <a:solidFill>
+                  <a:srgbClr val="000000"/>
+                </a:solidFill>
+              </a:rPr>
+              <a:t>IA gera as </a:t>
+            </a:r>
+            <a:r>
+              <a:rPr b="1" lang="pt-BR" sz="2300">
+                <a:solidFill>
+                  <a:srgbClr val="000000"/>
+                </a:solidFill>
+              </a:rPr>
+              <a:t>próximas</a:t>
+            </a:r>
+            <a:r>
+              <a:rPr b="1" lang="pt-BR" sz="2300">
+                <a:solidFill>
+                  <a:srgbClr val="000000"/>
+                </a:solidFill>
+              </a:rPr>
+              <a:t> notas</a:t>
+            </a:r>
+            <a:endParaRPr b="1" sz="2300">
+              <a:solidFill>
+                <a:srgbClr val="000000"/>
+              </a:solidFill>
+            </a:endParaRPr>
+          </a:p>
+          <a:p>
             <a:pPr indent="0" lvl="0" marL="0" rtl="0" algn="l">
-              <a:lnSpc>
-                <a:spcPct val="115000"/>
-              </a:lnSpc>
               <a:spcBef>
                 <a:spcPts val="1200"/>
               </a:spcBef>
@@ -15240,196 +15433,46 @@
             <a:r>
               <a:t/>
             </a:r>
-            <a:endParaRPr b="1" sz="1408">
-              <a:latin typeface="Source Code Pro"/>
-              <a:ea typeface="Source Code Pro"/>
-              <a:cs typeface="Source Code Pro"/>
-              <a:sym typeface="Source Code Pro"/>
+            <a:endParaRPr b="1" sz="2300">
+              <a:solidFill>
+                <a:srgbClr val="000000"/>
+              </a:solidFill>
             </a:endParaRPr>
           </a:p>
           <a:p>
-            <a:pPr indent="-318015" lvl="0" marL="457200" rtl="0" algn="l">
-              <a:lnSpc>
-                <a:spcPct val="115000"/>
-              </a:lnSpc>
+            <a:pPr indent="-374650" lvl="0" marL="457200" rtl="0" algn="l">
               <a:spcBef>
                 <a:spcPts val="1200"/>
               </a:spcBef>
               <a:spcAft>
                 <a:spcPts val="0"/>
               </a:spcAft>
-              <a:buSzPts val="1408"/>
-              <a:buFont typeface="Source Code Pro"/>
+              <a:buClr>
+                <a:srgbClr val="000000"/>
+              </a:buClr>
+              <a:buSzPts val="2300"/>
               <a:buChar char="●"/>
             </a:pPr>
             <a:r>
-              <a:rPr b="1" lang="pt-BR" sz="1408">
-                <a:latin typeface="Source Code Pro"/>
-                <a:ea typeface="Source Code Pro"/>
-                <a:cs typeface="Source Code Pro"/>
-                <a:sym typeface="Source Code Pro"/>
-              </a:rPr>
-              <a:t>Saída 1: </a:t>
-            </a:r>
-            <a:r>
-              <a:rPr b="1" lang="pt-BR" sz="1408" u="sng">
-                <a:solidFill>
-                  <a:schemeClr val="hlink"/>
-                </a:solidFill>
-                <a:latin typeface="Source Code Pro"/>
-                <a:ea typeface="Source Code Pro"/>
-                <a:cs typeface="Source Code Pro"/>
-                <a:sym typeface="Source Code Pro"/>
-                <a:hlinkClick r:id="rId3"/>
-              </a:rPr>
-              <a:t>https://drive.google.com/file/d/1-2H_8p_zNBCqD4n4o-BbowN9s07kCXWu/view?usp=sharing</a:t>
-            </a:r>
-            <a:endParaRPr b="1" sz="1408">
-              <a:latin typeface="Source Code Pro"/>
-              <a:ea typeface="Source Code Pro"/>
-              <a:cs typeface="Source Code Pro"/>
-              <a:sym typeface="Source Code Pro"/>
-            </a:endParaRPr>
-          </a:p>
-          <a:p>
-            <a:pPr indent="0" lvl="0" marL="0" rtl="0" algn="l">
-              <a:lnSpc>
-                <a:spcPct val="115000"/>
-              </a:lnSpc>
-              <a:spcBef>
-                <a:spcPts val="1200"/>
-              </a:spcBef>
-              <a:spcAft>
-                <a:spcPts val="0"/>
-              </a:spcAft>
-              <a:buNone/>
-            </a:pPr>
-            <a:r>
-              <a:t/>
-            </a:r>
-            <a:endParaRPr b="1" sz="1408">
-              <a:latin typeface="Source Code Pro"/>
-              <a:ea typeface="Source Code Pro"/>
-              <a:cs typeface="Source Code Pro"/>
-              <a:sym typeface="Source Code Pro"/>
-            </a:endParaRPr>
-          </a:p>
-          <a:p>
-            <a:pPr indent="-318015" lvl="0" marL="457200" rtl="0" algn="l">
-              <a:lnSpc>
-                <a:spcPct val="115000"/>
-              </a:lnSpc>
-              <a:spcBef>
-                <a:spcPts val="1200"/>
-              </a:spcBef>
-              <a:spcAft>
-                <a:spcPts val="0"/>
-              </a:spcAft>
-              <a:buSzPts val="1408"/>
-              <a:buFont typeface="Source Code Pro"/>
-              <a:buChar char="●"/>
-            </a:pPr>
-            <a:r>
-              <a:rPr b="1" lang="pt-BR" sz="1408">
-                <a:latin typeface="Source Code Pro"/>
-                <a:ea typeface="Source Code Pro"/>
-                <a:cs typeface="Source Code Pro"/>
-                <a:sym typeface="Source Code Pro"/>
-              </a:rPr>
-              <a:t>Saída 2: </a:t>
-            </a:r>
-            <a:r>
-              <a:rPr b="1" lang="pt-BR" sz="1408" u="sng">
-                <a:solidFill>
-                  <a:schemeClr val="hlink"/>
-                </a:solidFill>
-                <a:latin typeface="Source Code Pro"/>
-                <a:ea typeface="Source Code Pro"/>
-                <a:cs typeface="Source Code Pro"/>
-                <a:sym typeface="Source Code Pro"/>
-                <a:hlinkClick r:id="rId4"/>
-              </a:rPr>
-              <a:t>https://drive.google.com/file/d/1-N2SlXJwtPgt76fd30zDtaQIwffAOHI5/view?usp=sharing</a:t>
-            </a:r>
-            <a:endParaRPr b="1" sz="1408">
-              <a:latin typeface="Source Code Pro"/>
-              <a:ea typeface="Source Code Pro"/>
-              <a:cs typeface="Source Code Pro"/>
-              <a:sym typeface="Source Code Pro"/>
-            </a:endParaRPr>
-          </a:p>
-          <a:p>
-            <a:pPr indent="0" lvl="0" marL="0" rtl="0" algn="l">
-              <a:lnSpc>
-                <a:spcPct val="115000"/>
-              </a:lnSpc>
-              <a:spcBef>
-                <a:spcPts val="1200"/>
-              </a:spcBef>
-              <a:spcAft>
-                <a:spcPts val="0"/>
-              </a:spcAft>
-              <a:buNone/>
-            </a:pPr>
-            <a:r>
-              <a:t/>
-            </a:r>
-            <a:endParaRPr b="1" sz="1408">
-              <a:latin typeface="Source Code Pro"/>
-              <a:ea typeface="Source Code Pro"/>
-              <a:cs typeface="Source Code Pro"/>
-              <a:sym typeface="Source Code Pro"/>
-            </a:endParaRPr>
-          </a:p>
-          <a:p>
-            <a:pPr indent="-318015" lvl="0" marL="457200" rtl="0" algn="l">
-              <a:lnSpc>
-                <a:spcPct val="115000"/>
-              </a:lnSpc>
-              <a:spcBef>
-                <a:spcPts val="1200"/>
-              </a:spcBef>
-              <a:spcAft>
-                <a:spcPts val="0"/>
-              </a:spcAft>
-              <a:buSzPts val="1408"/>
-              <a:buFont typeface="Source Code Pro"/>
-              <a:buChar char="●"/>
-            </a:pPr>
-            <a:r>
-              <a:rPr b="1" lang="pt-BR" sz="1408">
-                <a:latin typeface="Source Code Pro"/>
-                <a:ea typeface="Source Code Pro"/>
-                <a:cs typeface="Source Code Pro"/>
-                <a:sym typeface="Source Code Pro"/>
-              </a:rPr>
-              <a:t>Saídas . . . </a:t>
-            </a:r>
-            <a:endParaRPr b="1" sz="1408">
-              <a:latin typeface="Source Code Pro"/>
-              <a:ea typeface="Source Code Pro"/>
-              <a:cs typeface="Source Code Pro"/>
-              <a:sym typeface="Source Code Pro"/>
-            </a:endParaRPr>
-          </a:p>
-          <a:p>
-            <a:pPr indent="0" lvl="0" marL="0" rtl="0" algn="l">
-              <a:spcBef>
-                <a:spcPts val="1200"/>
-              </a:spcBef>
-              <a:spcAft>
-                <a:spcPts val="0"/>
-              </a:spcAft>
-              <a:buNone/>
-            </a:pPr>
-            <a:r>
-              <a:t/>
-            </a:r>
-            <a:endParaRPr>
-              <a:latin typeface="Source Code Pro"/>
-              <a:ea typeface="Source Code Pro"/>
-              <a:cs typeface="Source Code Pro"/>
-              <a:sym typeface="Source Code Pro"/>
+              <a:rPr b="1" lang="pt-BR" sz="2300">
+                <a:solidFill>
+                  <a:srgbClr val="000000"/>
+                </a:solidFill>
+              </a:rPr>
+              <a:t>Saída</a:t>
+            </a:r>
+            <a:r>
+              <a:rPr b="1" lang="pt-BR" sz="2300">
+                <a:solidFill>
+                  <a:srgbClr val="000000"/>
+                </a:solidFill>
+              </a:rPr>
+              <a:t>: Nova melodia</a:t>
+            </a:r>
+            <a:endParaRPr b="1" sz="2300">
+              <a:solidFill>
+                <a:srgbClr val="000000"/>
+              </a:solidFill>
             </a:endParaRPr>
           </a:p>
         </p:txBody>
@@ -15562,6 +15605,369 @@
         </p:nvSpPr>
         <p:spPr>
           <a:xfrm>
+            <a:off x="311700" y="292850"/>
+            <a:ext cx="8520600" cy="801000"/>
+          </a:xfrm>
+          <a:prstGeom prst="rect">
+            <a:avLst/>
+          </a:prstGeom>
+        </p:spPr>
+        <p:txBody>
+          <a:bodyPr anchorCtr="0" anchor="t" bIns="91425" lIns="91425" spcFirstLastPara="1" rIns="91425" wrap="square" tIns="91425">
+            <a:normAutofit fontScale="90000"/>
+          </a:bodyPr>
+          <a:lstStyle/>
+          <a:p>
+            <a:pPr indent="0" lvl="0" marL="0" rtl="0" algn="l">
+              <a:spcBef>
+                <a:spcPts val="0"/>
+              </a:spcBef>
+              <a:spcAft>
+                <a:spcPts val="0"/>
+              </a:spcAft>
+              <a:buNone/>
+            </a:pPr>
+            <a:r>
+              <a:rPr lang="pt-BR"/>
+              <a:t>Exemplos de Resultado</a:t>
+            </a:r>
+            <a:endParaRPr/>
+          </a:p>
+        </p:txBody>
+      </p:sp>
+      <p:sp>
+        <p:nvSpPr>
+          <p:cNvPr id="249" name="Google Shape;249;p42"/>
+          <p:cNvSpPr txBox="1"/>
+          <p:nvPr/>
+        </p:nvSpPr>
+        <p:spPr>
+          <a:xfrm>
+            <a:off x="319600" y="1028700"/>
+            <a:ext cx="8339400" cy="4279800"/>
+          </a:xfrm>
+          <a:prstGeom prst="rect">
+            <a:avLst/>
+          </a:prstGeom>
+          <a:noFill/>
+          <a:ln>
+            <a:noFill/>
+          </a:ln>
+        </p:spPr>
+        <p:txBody>
+          <a:bodyPr anchorCtr="0" anchor="t" bIns="91425" lIns="91425" spcFirstLastPara="1" rIns="91425" wrap="square" tIns="91425">
+            <a:spAutoFit/>
+          </a:bodyPr>
+          <a:lstStyle/>
+          <a:p>
+            <a:pPr indent="-318015" lvl="0" marL="457200" rtl="0" algn="l">
+              <a:lnSpc>
+                <a:spcPct val="115000"/>
+              </a:lnSpc>
+              <a:spcBef>
+                <a:spcPts val="0"/>
+              </a:spcBef>
+              <a:spcAft>
+                <a:spcPts val="0"/>
+              </a:spcAft>
+              <a:buSzPts val="1408"/>
+              <a:buFont typeface="Source Code Pro"/>
+              <a:buChar char="●"/>
+            </a:pPr>
+            <a:r>
+              <a:rPr b="1" lang="pt-BR" sz="1408">
+                <a:latin typeface="Source Code Pro"/>
+                <a:ea typeface="Source Code Pro"/>
+                <a:cs typeface="Source Code Pro"/>
+                <a:sym typeface="Source Code Pro"/>
+              </a:rPr>
+              <a:t>Entrada: </a:t>
+            </a:r>
+            <a:r>
+              <a:rPr lang="pt-BR" sz="1050">
+                <a:highlight>
+                  <a:srgbClr val="FFFFFE"/>
+                </a:highlight>
+                <a:latin typeface="Courier New"/>
+                <a:ea typeface="Courier New"/>
+                <a:cs typeface="Courier New"/>
+                <a:sym typeface="Courier New"/>
+              </a:rPr>
+              <a:t> </a:t>
+            </a:r>
+            <a:r>
+              <a:rPr lang="pt-BR" sz="1750">
+                <a:solidFill>
+                  <a:srgbClr val="A31515"/>
+                </a:solidFill>
+                <a:highlight>
+                  <a:srgbClr val="FFFFFE"/>
+                </a:highlight>
+                <a:latin typeface="Courier New"/>
+                <a:ea typeface="Courier New"/>
+                <a:cs typeface="Courier New"/>
+                <a:sym typeface="Courier New"/>
+              </a:rPr>
+              <a:t>"55 _ 52 _ 55 _ 60 _ 52 _ 55"</a:t>
+            </a:r>
+            <a:endParaRPr sz="1750">
+              <a:solidFill>
+                <a:srgbClr val="A31515"/>
+              </a:solidFill>
+              <a:highlight>
+                <a:srgbClr val="FFFFFE"/>
+              </a:highlight>
+              <a:latin typeface="Courier New"/>
+              <a:ea typeface="Courier New"/>
+              <a:cs typeface="Courier New"/>
+              <a:sym typeface="Courier New"/>
+            </a:endParaRPr>
+          </a:p>
+          <a:p>
+            <a:pPr indent="0" lvl="0" marL="0" rtl="0" algn="l">
+              <a:lnSpc>
+                <a:spcPct val="115000"/>
+              </a:lnSpc>
+              <a:spcBef>
+                <a:spcPts val="1200"/>
+              </a:spcBef>
+              <a:spcAft>
+                <a:spcPts val="0"/>
+              </a:spcAft>
+              <a:buNone/>
+            </a:pPr>
+            <a:r>
+              <a:t/>
+            </a:r>
+            <a:endParaRPr b="1" sz="1408">
+              <a:latin typeface="Source Code Pro"/>
+              <a:ea typeface="Source Code Pro"/>
+              <a:cs typeface="Source Code Pro"/>
+              <a:sym typeface="Source Code Pro"/>
+            </a:endParaRPr>
+          </a:p>
+          <a:p>
+            <a:pPr indent="-318015" lvl="0" marL="457200" rtl="0" algn="l">
+              <a:lnSpc>
+                <a:spcPct val="115000"/>
+              </a:lnSpc>
+              <a:spcBef>
+                <a:spcPts val="1200"/>
+              </a:spcBef>
+              <a:spcAft>
+                <a:spcPts val="0"/>
+              </a:spcAft>
+              <a:buSzPts val="1408"/>
+              <a:buFont typeface="Source Code Pro"/>
+              <a:buChar char="●"/>
+            </a:pPr>
+            <a:r>
+              <a:rPr b="1" lang="pt-BR" sz="1408">
+                <a:latin typeface="Source Code Pro"/>
+                <a:ea typeface="Source Code Pro"/>
+                <a:cs typeface="Source Code Pro"/>
+                <a:sym typeface="Source Code Pro"/>
+              </a:rPr>
+              <a:t>Saída 1: </a:t>
+            </a:r>
+            <a:r>
+              <a:rPr b="1" lang="pt-BR" sz="1408" u="sng">
+                <a:solidFill>
+                  <a:schemeClr val="hlink"/>
+                </a:solidFill>
+                <a:latin typeface="Source Code Pro"/>
+                <a:ea typeface="Source Code Pro"/>
+                <a:cs typeface="Source Code Pro"/>
+                <a:sym typeface="Source Code Pro"/>
+                <a:hlinkClick r:id="rId3"/>
+              </a:rPr>
+              <a:t>https://drive.google.com/file/d/1-2H_8p_zNBCqD4n4o-BbowN9s07kCXWu/view?usp=sharing</a:t>
+            </a:r>
+            <a:endParaRPr b="1" sz="1408">
+              <a:latin typeface="Source Code Pro"/>
+              <a:ea typeface="Source Code Pro"/>
+              <a:cs typeface="Source Code Pro"/>
+              <a:sym typeface="Source Code Pro"/>
+            </a:endParaRPr>
+          </a:p>
+          <a:p>
+            <a:pPr indent="0" lvl="0" marL="0" rtl="0" algn="l">
+              <a:lnSpc>
+                <a:spcPct val="115000"/>
+              </a:lnSpc>
+              <a:spcBef>
+                <a:spcPts val="1200"/>
+              </a:spcBef>
+              <a:spcAft>
+                <a:spcPts val="0"/>
+              </a:spcAft>
+              <a:buNone/>
+            </a:pPr>
+            <a:r>
+              <a:t/>
+            </a:r>
+            <a:endParaRPr b="1" sz="1408">
+              <a:latin typeface="Source Code Pro"/>
+              <a:ea typeface="Source Code Pro"/>
+              <a:cs typeface="Source Code Pro"/>
+              <a:sym typeface="Source Code Pro"/>
+            </a:endParaRPr>
+          </a:p>
+          <a:p>
+            <a:pPr indent="-318015" lvl="0" marL="457200" rtl="0" algn="l">
+              <a:lnSpc>
+                <a:spcPct val="115000"/>
+              </a:lnSpc>
+              <a:spcBef>
+                <a:spcPts val="1200"/>
+              </a:spcBef>
+              <a:spcAft>
+                <a:spcPts val="0"/>
+              </a:spcAft>
+              <a:buSzPts val="1408"/>
+              <a:buFont typeface="Source Code Pro"/>
+              <a:buChar char="●"/>
+            </a:pPr>
+            <a:r>
+              <a:rPr b="1" lang="pt-BR" sz="1408">
+                <a:latin typeface="Source Code Pro"/>
+                <a:ea typeface="Source Code Pro"/>
+                <a:cs typeface="Source Code Pro"/>
+                <a:sym typeface="Source Code Pro"/>
+              </a:rPr>
+              <a:t>Saída 2: </a:t>
+            </a:r>
+            <a:r>
+              <a:rPr b="1" lang="pt-BR" sz="1408" u="sng">
+                <a:solidFill>
+                  <a:schemeClr val="hlink"/>
+                </a:solidFill>
+                <a:latin typeface="Source Code Pro"/>
+                <a:ea typeface="Source Code Pro"/>
+                <a:cs typeface="Source Code Pro"/>
+                <a:sym typeface="Source Code Pro"/>
+                <a:hlinkClick r:id="rId4"/>
+              </a:rPr>
+              <a:t>https://drive.google.com/file/d/1-N2SlXJwtPgt76fd30zDtaQIwffAOHI5/view?usp=sharing</a:t>
+            </a:r>
+            <a:endParaRPr b="1" sz="1408">
+              <a:latin typeface="Source Code Pro"/>
+              <a:ea typeface="Source Code Pro"/>
+              <a:cs typeface="Source Code Pro"/>
+              <a:sym typeface="Source Code Pro"/>
+            </a:endParaRPr>
+          </a:p>
+          <a:p>
+            <a:pPr indent="0" lvl="0" marL="0" rtl="0" algn="l">
+              <a:lnSpc>
+                <a:spcPct val="115000"/>
+              </a:lnSpc>
+              <a:spcBef>
+                <a:spcPts val="1200"/>
+              </a:spcBef>
+              <a:spcAft>
+                <a:spcPts val="0"/>
+              </a:spcAft>
+              <a:buNone/>
+            </a:pPr>
+            <a:r>
+              <a:t/>
+            </a:r>
+            <a:endParaRPr b="1" sz="1408">
+              <a:latin typeface="Source Code Pro"/>
+              <a:ea typeface="Source Code Pro"/>
+              <a:cs typeface="Source Code Pro"/>
+              <a:sym typeface="Source Code Pro"/>
+            </a:endParaRPr>
+          </a:p>
+          <a:p>
+            <a:pPr indent="-318015" lvl="0" marL="457200" rtl="0" algn="l">
+              <a:lnSpc>
+                <a:spcPct val="115000"/>
+              </a:lnSpc>
+              <a:spcBef>
+                <a:spcPts val="1200"/>
+              </a:spcBef>
+              <a:spcAft>
+                <a:spcPts val="0"/>
+              </a:spcAft>
+              <a:buSzPts val="1408"/>
+              <a:buFont typeface="Source Code Pro"/>
+              <a:buChar char="●"/>
+            </a:pPr>
+            <a:r>
+              <a:rPr b="1" lang="pt-BR" sz="1408">
+                <a:latin typeface="Source Code Pro"/>
+                <a:ea typeface="Source Code Pro"/>
+                <a:cs typeface="Source Code Pro"/>
+                <a:sym typeface="Source Code Pro"/>
+              </a:rPr>
+              <a:t>Saídas . . . </a:t>
+            </a:r>
+            <a:endParaRPr b="1" sz="1408">
+              <a:latin typeface="Source Code Pro"/>
+              <a:ea typeface="Source Code Pro"/>
+              <a:cs typeface="Source Code Pro"/>
+              <a:sym typeface="Source Code Pro"/>
+            </a:endParaRPr>
+          </a:p>
+          <a:p>
+            <a:pPr indent="0" lvl="0" marL="0" rtl="0" algn="l">
+              <a:spcBef>
+                <a:spcPts val="1200"/>
+              </a:spcBef>
+              <a:spcAft>
+                <a:spcPts val="0"/>
+              </a:spcAft>
+              <a:buNone/>
+            </a:pPr>
+            <a:r>
+              <a:t/>
+            </a:r>
+            <a:endParaRPr>
+              <a:latin typeface="Source Code Pro"/>
+              <a:ea typeface="Source Code Pro"/>
+              <a:cs typeface="Source Code Pro"/>
+              <a:sym typeface="Source Code Pro"/>
+            </a:endParaRPr>
+          </a:p>
+        </p:txBody>
+      </p:sp>
+    </p:spTree>
+  </p:cSld>
+  <p:clrMapOvr>
+    <a:masterClrMapping/>
+  </p:clrMapOvr>
+</p:sld>
+</file>
+
+<file path=ppt/slides/slide31.xml><?xml version="1.0" encoding="utf-8"?>
+<p:sld xmlns:a="http://schemas.openxmlformats.org/drawingml/2006/main" xmlns:r="http://schemas.openxmlformats.org/officeDocument/2006/relationships" xmlns:mc="http://schemas.openxmlformats.org/markup-compatibility/2006" xmlns:mv="urn:schemas-microsoft-com:mac:vml" xmlns:p="http://schemas.openxmlformats.org/presentationml/2006/main" xmlns:c="http://schemas.openxmlformats.org/drawingml/2006/chart" xmlns:dgm="http://schemas.openxmlformats.org/drawingml/2006/diagram" xmlns:o="urn:schemas-microsoft-com:office:office" xmlns:v="urn:schemas-microsoft-com:vml" xmlns:pvml="urn:schemas-microsoft-com:office:powerpoint" xmlns:com="http://schemas.openxmlformats.org/drawingml/2006/compatibility" xmlns:p14="http://schemas.microsoft.com/office/powerpoint/2010/main" xmlns:p15="http://schemas.microsoft.com/office/powerpoint/2012/main" xmlns:ahyp="http://schemas.microsoft.com/office/drawing/2018/hyperlinkcolor">
+  <p:cSld>
+    <p:spTree>
+      <p:nvGrpSpPr>
+        <p:cNvPr id="253" name="Shape 253"/>
+        <p:cNvGrpSpPr/>
+        <p:nvPr/>
+      </p:nvGrpSpPr>
+      <p:grpSpPr>
+        <a:xfrm>
+          <a:off x="0" y="0"/>
+          <a:ext cx="0" cy="0"/>
+          <a:chOff x="0" y="0"/>
+          <a:chExt cx="0" cy="0"/>
+        </a:xfrm>
+      </p:grpSpPr>
+      <p:sp>
+        <p:nvSpPr>
+          <p:cNvPr id="254" name="Google Shape;254;p43"/>
+          <p:cNvSpPr txBox="1"/>
+          <p:nvPr>
+            <p:ph type="title"/>
+          </p:nvPr>
+        </p:nvSpPr>
+        <p:spPr>
+          <a:xfrm>
             <a:off x="2802750" y="802500"/>
             <a:ext cx="3538500" cy="1674300"/>
           </a:xfrm>
@@ -15594,7 +16000,7 @@
       </p:sp>
       <p:pic>
         <p:nvPicPr>
-          <p:cNvPr id="249" name="Google Shape;249;p42"/>
+          <p:cNvPr id="255" name="Google Shape;255;p43"/>
           <p:cNvPicPr preferRelativeResize="0"/>
           <p:nvPr/>
         </p:nvPicPr>
@@ -15739,7 +16145,7 @@
                   <a:srgbClr val="000000"/>
                 </a:solidFill>
               </a:rPr>
-              <a:t> está sempre ao nosso redor não </a:t>
+              <a:t> está sempre ao nosso redor uma parte do grupo não </a:t>
             </a:r>
             <a:r>
               <a:rPr b="1" lang="pt-BR">
@@ -15747,7 +16153,7 @@
                   <a:srgbClr val="000000"/>
                 </a:solidFill>
               </a:rPr>
-              <a:t>tínhamos</a:t>
+              <a:t>tinha</a:t>
             </a:r>
             <a:r>
               <a:rPr b="1" lang="pt-BR">
@@ -15755,7 +16161,23 @@
                   <a:srgbClr val="000000"/>
                 </a:solidFill>
               </a:rPr>
-              <a:t> um conhecimento profundo sobre ela e saber que podiamos gerar melodias sem termos muito conhecimento previo de </a:t>
+              <a:t> um conhecimento profundo sobre ela e saber que podiamos gerar melodias sem ter muito conhecimento </a:t>
+            </a:r>
+            <a:r>
+              <a:rPr b="1" lang="pt-BR">
+                <a:solidFill>
+                  <a:srgbClr val="000000"/>
+                </a:solidFill>
+              </a:rPr>
+              <a:t>prévio</a:t>
+            </a:r>
+            <a:r>
+              <a:rPr b="1" lang="pt-BR">
+                <a:solidFill>
+                  <a:srgbClr val="000000"/>
+                </a:solidFill>
+              </a:rPr>
+              <a:t> de </a:t>
             </a:r>
             <a:r>
               <a:rPr b="1" lang="pt-BR">
@@ -16563,6 +16985,285 @@
 </file>
 
 <file path=ppt/theme/theme1.xml><?xml version="1.0" encoding="utf-8"?>
+<a:theme xmlns:a="http://schemas.openxmlformats.org/drawingml/2006/main" xmlns:r="http://schemas.openxmlformats.org/officeDocument/2006/relationships" name="Beach Day">
+  <a:themeElements>
+    <a:clrScheme name="Beach Day">
+      <a:dk1>
+        <a:srgbClr val="00FDC8"/>
+      </a:dk1>
+      <a:lt1>
+        <a:srgbClr val="FFFFFF"/>
+      </a:lt1>
+      <a:dk2>
+        <a:srgbClr val="666666"/>
+      </a:dk2>
+      <a:lt2>
+        <a:srgbClr val="EEEEEE"/>
+      </a:lt2>
+      <a:accent1>
+        <a:srgbClr val="212121"/>
+      </a:accent1>
+      <a:accent2>
+        <a:srgbClr val="455A64"/>
+      </a:accent2>
+      <a:accent3>
+        <a:srgbClr val="78909C"/>
+      </a:accent3>
+      <a:accent4>
+        <a:srgbClr val="7C7CE0"/>
+      </a:accent4>
+      <a:accent5>
+        <a:srgbClr val="DB4437"/>
+      </a:accent5>
+      <a:accent6>
+        <a:srgbClr val="F6CD4C"/>
+      </a:accent6>
+      <a:hlink>
+        <a:srgbClr val="DB4437"/>
+      </a:hlink>
+      <a:folHlink>
+        <a:srgbClr val="DB4437"/>
+      </a:folHlink>
+    </a:clrScheme>
+    <a:fontScheme name="Office">
+      <a:majorFont>
+        <a:latin typeface="Arial"/>
+        <a:ea typeface=""/>
+        <a:cs typeface=""/>
+        <a:font script="Jpan" typeface="ＭＳ Ｐゴシック"/>
+        <a:font script="Hang" typeface="맑은 고딕"/>
+        <a:font script="Hans" typeface="宋体"/>
+        <a:font script="Hant" typeface="新細明體"/>
+        <a:font script="Arab" typeface="Times New Roman"/>
+        <a:font script="Hebr" typeface="Times New Roman"/>
+        <a:font script="Thai" typeface="Angsana New"/>
+        <a:font script="Ethi" typeface="Nyala"/>
+        <a:font script="Beng" typeface="Vrinda"/>
+        <a:font script="Gujr" typeface="Shruti"/>
+        <a:font script="Khmr" typeface="MoolBoran"/>
+        <a:font script="Knda" typeface="Tunga"/>
+        <a:font script="Guru" typeface="Raavi"/>
+        <a:font script="Cans" typeface="Euphemia"/>
+        <a:font script="Cher" typeface="Plantagenet Cherokee"/>
+        <a:font script="Yiii" typeface="Microsoft Yi Baiti"/>
+        <a:font script="Tibt" typeface="Microsoft Himalaya"/>
+        <a:font script="Thaa" typeface="MV Boli"/>
+        <a:font script="Deva" typeface="Mangal"/>
+        <a:font script="Telu" typeface="Gautami"/>
+        <a:font script="Taml" typeface="Latha"/>
+        <a:font script="Syrc" typeface="Estrangelo Edessa"/>
+        <a:font script="Orya" typeface="Kalinga"/>
+        <a:font script="Mlym" typeface="Kartika"/>
+        <a:font script="Laoo" typeface="DokChampa"/>
+        <a:font script="Sinh" typeface="Iskoola Pota"/>
+        <a:font script="Mong" typeface="Mongolian Baiti"/>
+        <a:font script="Viet" typeface="Times New Roman"/>
+        <a:font script="Uigh" typeface="Microsoft Uighur"/>
+        <a:font script="Geor" typeface="Sylfaen"/>
+      </a:majorFont>
+      <a:minorFont>
+        <a:latin typeface="Arial"/>
+        <a:ea typeface=""/>
+        <a:cs typeface=""/>
+        <a:font script="Jpan" typeface="ＭＳ Ｐゴシック"/>
+        <a:font script="Hang" typeface="맑은 고딕"/>
+        <a:font script="Hans" typeface="宋体"/>
+        <a:font script="Hant" typeface="新細明體"/>
+        <a:font script="Arab" typeface="Arial"/>
+        <a:font script="Hebr" typeface="Arial"/>
+        <a:font script="Thai" typeface="Cordia New"/>
+        <a:font script="Ethi" typeface="Nyala"/>
+        <a:font script="Beng" typeface="Vrinda"/>
+        <a:font script="Gujr" typeface="Shruti"/>
+        <a:font script="Khmr" typeface="DaunPenh"/>
+        <a:font script="Knda" typeface="Tunga"/>
+        <a:font script="Guru" typeface="Raavi"/>
+        <a:font script="Cans" typeface="Euphemia"/>
+        <a:font script="Cher" typeface="Plantagenet Cherokee"/>
+        <a:font script="Yiii" typeface="Microsoft Yi Baiti"/>
+        <a:font script="Tibt" typeface="Microsoft Himalaya"/>
+        <a:font script="Thaa" typeface="MV Boli"/>
+        <a:font script="Deva" typeface="Mangal"/>
+        <a:font script="Telu" typeface="Gautami"/>
+        <a:font script="Taml" typeface="Latha"/>
+        <a:font script="Syrc" typeface="Estrangelo Edessa"/>
+        <a:font script="Orya" typeface="Kalinga"/>
+        <a:font script="Mlym" typeface="Kartika"/>
+        <a:font script="Laoo" typeface="DokChampa"/>
+        <a:font script="Sinh" typeface="Iskoola Pota"/>
+        <a:font script="Mong" typeface="Mongolian Baiti"/>
+        <a:font script="Viet" typeface="Arial"/>
+        <a:font script="Uigh" typeface="Microsoft Uighur"/>
+        <a:font script="Geor" typeface="Sylfaen"/>
+      </a:minorFont>
+    </a:fontScheme>
+    <a:fmtScheme name="Office">
+      <a:fillStyleLst>
+        <a:solidFill>
+          <a:schemeClr val="phClr"/>
+        </a:solidFill>
+        <a:gradFill rotWithShape="1">
+          <a:gsLst>
+            <a:gs pos="0">
+              <a:schemeClr val="phClr">
+                <a:tint val="50000"/>
+                <a:satMod val="300000"/>
+              </a:schemeClr>
+            </a:gs>
+            <a:gs pos="35000">
+              <a:schemeClr val="phClr">
+                <a:tint val="37000"/>
+                <a:satMod val="300000"/>
+              </a:schemeClr>
+            </a:gs>
+            <a:gs pos="100000">
+              <a:schemeClr val="phClr">
+                <a:tint val="15000"/>
+                <a:satMod val="350000"/>
+              </a:schemeClr>
+            </a:gs>
+          </a:gsLst>
+          <a:lin ang="16200000" scaled="1"/>
+        </a:gradFill>
+        <a:gradFill rotWithShape="1">
+          <a:gsLst>
+            <a:gs pos="0">
+              <a:schemeClr val="phClr">
+                <a:tint val="100000"/>
+                <a:shade val="100000"/>
+                <a:satMod val="130000"/>
+              </a:schemeClr>
+            </a:gs>
+            <a:gs pos="100000">
+              <a:schemeClr val="phClr">
+                <a:tint val="50000"/>
+                <a:shade val="100000"/>
+                <a:satMod val="350000"/>
+              </a:schemeClr>
+            </a:gs>
+          </a:gsLst>
+          <a:lin ang="16200000" scaled="0"/>
+        </a:gradFill>
+      </a:fillStyleLst>
+      <a:lnStyleLst>
+        <a:ln w="9525" cap="flat" cmpd="sng" algn="ctr">
+          <a:solidFill>
+            <a:schemeClr val="phClr">
+              <a:shade val="95000"/>
+              <a:satMod val="105000"/>
+            </a:schemeClr>
+          </a:solidFill>
+          <a:prstDash val="solid"/>
+        </a:ln>
+        <a:ln w="25400" cap="flat" cmpd="sng" algn="ctr">
+          <a:solidFill>
+            <a:schemeClr val="phClr"/>
+          </a:solidFill>
+          <a:prstDash val="solid"/>
+        </a:ln>
+        <a:ln w="38100" cap="flat" cmpd="sng" algn="ctr">
+          <a:solidFill>
+            <a:schemeClr val="phClr"/>
+          </a:solidFill>
+          <a:prstDash val="solid"/>
+        </a:ln>
+      </a:lnStyleLst>
+      <a:effectStyleLst>
+        <a:effectStyle>
+          <a:effectLst>
+            <a:outerShdw blurRad="40000" dist="20000" dir="5400000" rotWithShape="0">
+              <a:srgbClr val="000000">
+                <a:alpha val="38000"/>
+              </a:srgbClr>
+            </a:outerShdw>
+          </a:effectLst>
+        </a:effectStyle>
+        <a:effectStyle>
+          <a:effectLst>
+            <a:outerShdw blurRad="40000" dist="23000" dir="5400000" rotWithShape="0">
+              <a:srgbClr val="000000">
+                <a:alpha val="35000"/>
+              </a:srgbClr>
+            </a:outerShdw>
+          </a:effectLst>
+        </a:effectStyle>
+        <a:effectStyle>
+          <a:effectLst>
+            <a:outerShdw blurRad="40000" dist="23000" dir="5400000" rotWithShape="0">
+              <a:srgbClr val="000000">
+                <a:alpha val="35000"/>
+              </a:srgbClr>
+            </a:outerShdw>
+          </a:effectLst>
+          <a:scene3d>
+            <a:camera prst="orthographicFront">
+              <a:rot lat="0" lon="0" rev="0"/>
+            </a:camera>
+            <a:lightRig rig="threePt" dir="t">
+              <a:rot lat="0" lon="0" rev="1200000"/>
+            </a:lightRig>
+          </a:scene3d>
+          <a:sp3d>
+            <a:bevelT w="63500" h="25400"/>
+          </a:sp3d>
+        </a:effectStyle>
+      </a:effectStyleLst>
+      <a:bgFillStyleLst>
+        <a:solidFill>
+          <a:schemeClr val="phClr"/>
+        </a:solidFill>
+        <a:gradFill rotWithShape="1">
+          <a:gsLst>
+            <a:gs pos="0">
+              <a:schemeClr val="phClr">
+                <a:tint val="40000"/>
+                <a:satMod val="350000"/>
+              </a:schemeClr>
+            </a:gs>
+            <a:gs pos="40000">
+              <a:schemeClr val="phClr">
+                <a:tint val="45000"/>
+                <a:shade val="99000"/>
+                <a:satMod val="350000"/>
+              </a:schemeClr>
+            </a:gs>
+            <a:gs pos="100000">
+              <a:schemeClr val="phClr">
+                <a:shade val="20000"/>
+                <a:satMod val="255000"/>
+              </a:schemeClr>
+            </a:gs>
+          </a:gsLst>
+          <a:path path="circle">
+            <a:fillToRect l="50000" t="-80000" r="50000" b="180000"/>
+          </a:path>
+        </a:gradFill>
+        <a:gradFill rotWithShape="1">
+          <a:gsLst>
+            <a:gs pos="0">
+              <a:schemeClr val="phClr">
+                <a:tint val="80000"/>
+                <a:satMod val="300000"/>
+              </a:schemeClr>
+            </a:gs>
+            <a:gs pos="100000">
+              <a:schemeClr val="phClr">
+                <a:shade val="30000"/>
+                <a:satMod val="200000"/>
+              </a:schemeClr>
+            </a:gs>
+          </a:gsLst>
+          <a:path path="circle">
+            <a:fillToRect l="50000" t="50000" r="50000" b="50000"/>
+          </a:path>
+        </a:gradFill>
+      </a:bgFillStyleLst>
+    </a:fmtScheme>
+  </a:themeElements>
+</a:theme>
+</file>
+
+<file path=ppt/theme/theme2.xml><?xml version="1.0" encoding="utf-8"?>
 <a:theme xmlns:a="http://schemas.openxmlformats.org/drawingml/2006/main" xmlns:r="http://schemas.openxmlformats.org/officeDocument/2006/relationships">
   <a:themeElements>
     <a:clrScheme name="Default">
@@ -16839,283 +17540,4 @@
     </a:fmtScheme>
   </a:themeElements>
 </a:theme>
-</file>
-
-<file path=ppt/theme/theme2.xml><?xml version="1.0" encoding="utf-8"?>
-<a:theme xmlns:a="http://schemas.openxmlformats.org/drawingml/2006/main" xmlns:r="http://schemas.openxmlformats.org/officeDocument/2006/relationships" name="Beach Day">
-  <a:themeElements>
-    <a:clrScheme name="Beach Day">
-      <a:dk1>
-        <a:srgbClr val="00FDC8"/>
-      </a:dk1>
-      <a:lt1>
-        <a:srgbClr val="FFFFFF"/>
-      </a:lt1>
-      <a:dk2>
-        <a:srgbClr val="666666"/>
-      </a:dk2>
-      <a:lt2>
-        <a:srgbClr val="EEEEEE"/>
-      </a:lt2>
-      <a:accent1>
-        <a:srgbClr val="212121"/>
-      </a:accent1>
-      <a:accent2>
-        <a:srgbClr val="455A64"/>
-      </a:accent2>
-      <a:accent3>
-        <a:srgbClr val="78909C"/>
-      </a:accent3>
-      <a:accent4>
-        <a:srgbClr val="7C7CE0"/>
-      </a:accent4>
-      <a:accent5>
-        <a:srgbClr val="DB4437"/>
-      </a:accent5>
-      <a:accent6>
-        <a:srgbClr val="F6CD4C"/>
-      </a:accent6>
-      <a:hlink>
-        <a:srgbClr val="DB4437"/>
-      </a:hlink>
-      <a:folHlink>
-        <a:srgbClr val="DB4437"/>
-      </a:folHlink>
-    </a:clrScheme>
-    <a:fontScheme name="Office">
-      <a:majorFont>
-        <a:latin typeface="Arial"/>
-        <a:ea typeface=""/>
-        <a:cs typeface=""/>
-        <a:font script="Jpan" typeface="ＭＳ Ｐゴシック"/>
-        <a:font script="Hang" typeface="맑은 고딕"/>
-        <a:font script="Hans" typeface="宋体"/>
-        <a:font script="Hant" typeface="新細明體"/>
-        <a:font script="Arab" typeface="Times New Roman"/>
-        <a:font script="Hebr" typeface="Times New Roman"/>
-        <a:font script="Thai" typeface="Angsana New"/>
-        <a:font script="Ethi" typeface="Nyala"/>
-        <a:font script="Beng" typeface="Vrinda"/>
-        <a:font script="Gujr" typeface="Shruti"/>
-        <a:font script="Khmr" typeface="MoolBoran"/>
-        <a:font script="Knda" typeface="Tunga"/>
-        <a:font script="Guru" typeface="Raavi"/>
-        <a:font script="Cans" typeface="Euphemia"/>
-        <a:font script="Cher" typeface="Plantagenet Cherokee"/>
-        <a:font script="Yiii" typeface="Microsoft Yi Baiti"/>
-        <a:font script="Tibt" typeface="Microsoft Himalaya"/>
-        <a:font script="Thaa" typeface="MV Boli"/>
-        <a:font script="Deva" typeface="Mangal"/>
-        <a:font script="Telu" typeface="Gautami"/>
-        <a:font script="Taml" typeface="Latha"/>
-        <a:font script="Syrc" typeface="Estrangelo Edessa"/>
-        <a:font script="Orya" typeface="Kalinga"/>
-        <a:font script="Mlym" typeface="Kartika"/>
-        <a:font script="Laoo" typeface="DokChampa"/>
-        <a:font script="Sinh" typeface="Iskoola Pota"/>
-        <a:font script="Mong" typeface="Mongolian Baiti"/>
-        <a:font script="Viet" typeface="Times New Roman"/>
-        <a:font script="Uigh" typeface="Microsoft Uighur"/>
-        <a:font script="Geor" typeface="Sylfaen"/>
-      </a:majorFont>
-      <a:minorFont>
-        <a:latin typeface="Arial"/>
-        <a:ea typeface=""/>
-        <a:cs typeface=""/>
-        <a:font script="Jpan" typeface="ＭＳ Ｐゴシック"/>
-        <a:font script="Hang" typeface="맑은 고딕"/>
-        <a:font script="Hans" typeface="宋体"/>
-        <a:font script="Hant" typeface="新細明體"/>
-        <a:font script="Arab" typeface="Arial"/>
-        <a:font script="Hebr" typeface="Arial"/>
-        <a:font script="Thai" typeface="Cordia New"/>
-        <a:font script="Ethi" typeface="Nyala"/>
-        <a:font script="Beng" typeface="Vrinda"/>
-        <a:font script="Gujr" typeface="Shruti"/>
-        <a:font script="Khmr" typeface="DaunPenh"/>
-        <a:font script="Knda" typeface="Tunga"/>
-        <a:font script="Guru" typeface="Raavi"/>
-        <a:font script="Cans" typeface="Euphemia"/>
-        <a:font script="Cher" typeface="Plantagenet Cherokee"/>
-        <a:font script="Yiii" typeface="Microsoft Yi Baiti"/>
-        <a:font script="Tibt" typeface="Microsoft Himalaya"/>
-        <a:font script="Thaa" typeface="MV Boli"/>
-        <a:font script="Deva" typeface="Mangal"/>
-        <a:font script="Telu" typeface="Gautami"/>
-        <a:font script="Taml" typeface="Latha"/>
-        <a:font script="Syrc" typeface="Estrangelo Edessa"/>
-        <a:font script="Orya" typeface="Kalinga"/>
-        <a:font script="Mlym" typeface="Kartika"/>
-        <a:font script="Laoo" typeface="DokChampa"/>
-        <a:font script="Sinh" typeface="Iskoola Pota"/>
-        <a:font script="Mong" typeface="Mongolian Baiti"/>
-        <a:font script="Viet" typeface="Arial"/>
-        <a:font script="Uigh" typeface="Microsoft Uighur"/>
-        <a:font script="Geor" typeface="Sylfaen"/>
-      </a:minorFont>
-    </a:fontScheme>
-    <a:fmtScheme name="Office">
-      <a:fillStyleLst>
-        <a:solidFill>
-          <a:schemeClr val="phClr"/>
-        </a:solidFill>
-        <a:gradFill rotWithShape="1">
-          <a:gsLst>
-            <a:gs pos="0">
-              <a:schemeClr val="phClr">
-                <a:tint val="50000"/>
-                <a:satMod val="300000"/>
-              </a:schemeClr>
-            </a:gs>
-            <a:gs pos="35000">
-              <a:schemeClr val="phClr">
-                <a:tint val="37000"/>
-                <a:satMod val="300000"/>
-              </a:schemeClr>
-            </a:gs>
-            <a:gs pos="100000">
-              <a:schemeClr val="phClr">
-                <a:tint val="15000"/>
-                <a:satMod val="350000"/>
-              </a:schemeClr>
-            </a:gs>
-          </a:gsLst>
-          <a:lin ang="16200000" scaled="1"/>
-        </a:gradFill>
-        <a:gradFill rotWithShape="1">
-          <a:gsLst>
-            <a:gs pos="0">
-              <a:schemeClr val="phClr">
-                <a:tint val="100000"/>
-                <a:shade val="100000"/>
-                <a:satMod val="130000"/>
-              </a:schemeClr>
-            </a:gs>
-            <a:gs pos="100000">
-              <a:schemeClr val="phClr">
-                <a:tint val="50000"/>
-                <a:shade val="100000"/>
-                <a:satMod val="350000"/>
-              </a:schemeClr>
-            </a:gs>
-          </a:gsLst>
-          <a:lin ang="16200000" scaled="0"/>
-        </a:gradFill>
-      </a:fillStyleLst>
-      <a:lnStyleLst>
-        <a:ln w="9525" cap="flat" cmpd="sng" algn="ctr">
-          <a:solidFill>
-            <a:schemeClr val="phClr">
-              <a:shade val="95000"/>
-              <a:satMod val="105000"/>
-            </a:schemeClr>
-          </a:solidFill>
-          <a:prstDash val="solid"/>
-        </a:ln>
-        <a:ln w="25400" cap="flat" cmpd="sng" algn="ctr">
-          <a:solidFill>
-            <a:schemeClr val="phClr"/>
-          </a:solidFill>
-          <a:prstDash val="solid"/>
-        </a:ln>
-        <a:ln w="38100" cap="flat" cmpd="sng" algn="ctr">
-          <a:solidFill>
-            <a:schemeClr val="phClr"/>
-          </a:solidFill>
-          <a:prstDash val="solid"/>
-        </a:ln>
-      </a:lnStyleLst>
-      <a:effectStyleLst>
-        <a:effectStyle>
-          <a:effectLst>
-            <a:outerShdw blurRad="40000" dist="20000" dir="5400000" rotWithShape="0">
-              <a:srgbClr val="000000">
-                <a:alpha val="38000"/>
-              </a:srgbClr>
-            </a:outerShdw>
-          </a:effectLst>
-        </a:effectStyle>
-        <a:effectStyle>
-          <a:effectLst>
-            <a:outerShdw blurRad="40000" dist="23000" dir="5400000" rotWithShape="0">
-              <a:srgbClr val="000000">
-                <a:alpha val="35000"/>
-              </a:srgbClr>
-            </a:outerShdw>
-          </a:effectLst>
-        </a:effectStyle>
-        <a:effectStyle>
-          <a:effectLst>
-            <a:outerShdw blurRad="40000" dist="23000" dir="5400000" rotWithShape="0">
-              <a:srgbClr val="000000">
-                <a:alpha val="35000"/>
-              </a:srgbClr>
-            </a:outerShdw>
-          </a:effectLst>
-          <a:scene3d>
-            <a:camera prst="orthographicFront">
-              <a:rot lat="0" lon="0" rev="0"/>
-            </a:camera>
-            <a:lightRig rig="threePt" dir="t">
-              <a:rot lat="0" lon="0" rev="1200000"/>
-            </a:lightRig>
-          </a:scene3d>
-          <a:sp3d>
-            <a:bevelT w="63500" h="25400"/>
-          </a:sp3d>
-        </a:effectStyle>
-      </a:effectStyleLst>
-      <a:bgFillStyleLst>
-        <a:solidFill>
-          <a:schemeClr val="phClr"/>
-        </a:solidFill>
-        <a:gradFill rotWithShape="1">
-          <a:gsLst>
-            <a:gs pos="0">
-              <a:schemeClr val="phClr">
-                <a:tint val="40000"/>
-                <a:satMod val="350000"/>
-              </a:schemeClr>
-            </a:gs>
-            <a:gs pos="40000">
-              <a:schemeClr val="phClr">
-                <a:tint val="45000"/>
-                <a:shade val="99000"/>
-                <a:satMod val="350000"/>
-              </a:schemeClr>
-            </a:gs>
-            <a:gs pos="100000">
-              <a:schemeClr val="phClr">
-                <a:shade val="20000"/>
-                <a:satMod val="255000"/>
-              </a:schemeClr>
-            </a:gs>
-          </a:gsLst>
-          <a:path path="circle">
-            <a:fillToRect l="50000" t="-80000" r="50000" b="180000"/>
-          </a:path>
-        </a:gradFill>
-        <a:gradFill rotWithShape="1">
-          <a:gsLst>
-            <a:gs pos="0">
-              <a:schemeClr val="phClr">
-                <a:tint val="80000"/>
-                <a:satMod val="300000"/>
-              </a:schemeClr>
-            </a:gs>
-            <a:gs pos="100000">
-              <a:schemeClr val="phClr">
-                <a:shade val="30000"/>
-                <a:satMod val="200000"/>
-              </a:schemeClr>
-            </a:gs>
-          </a:gsLst>
-          <a:path path="circle">
-            <a:fillToRect l="50000" t="50000" r="50000" b="50000"/>
-          </a:path>
-        </a:gradFill>
-      </a:bgFillStyleLst>
-    </a:fmtScheme>
-  </a:themeElements>
-</a:theme>
 </file>